--- a/figure/V-Model.pptx
+++ b/figure/V-Model.pptx
@@ -6,6 +6,7 @@
   </p:sldMasterIdLst>
   <p:sldIdLst>
     <p:sldId id="256" r:id="rId2"/>
+    <p:sldId id="257" r:id="rId3"/>
   </p:sldIdLst>
   <p:sldSz cx="9144000" cy="6858000" type="screen4x3"/>
   <p:notesSz cx="6858000" cy="9144000"/>
@@ -3816,6 +3817,60 @@
     <p:extLst>
       <p:ext uri="{BB962C8B-B14F-4D97-AF65-F5344CB8AC3E}">
         <p14:creationId xmlns:p14="http://schemas.microsoft.com/office/powerpoint/2010/main" val="3177689304"/>
+      </p:ext>
+    </p:extLst>
+  </p:cSld>
+  <p:clrMapOvr>
+    <a:masterClrMapping/>
+  </p:clrMapOvr>
+</p:sld>
+</file>
+
+<file path=ppt/slides/slide2.xml><?xml version="1.0" encoding="utf-8"?>
+<p:sld xmlns:a="http://schemas.openxmlformats.org/drawingml/2006/main" xmlns:r="http://schemas.openxmlformats.org/officeDocument/2006/relationships" xmlns:p="http://schemas.openxmlformats.org/presentationml/2006/main">
+  <p:cSld>
+    <p:spTree>
+      <p:nvGrpSpPr>
+        <p:cNvPr id="1" name=""/>
+        <p:cNvGrpSpPr/>
+        <p:nvPr/>
+      </p:nvGrpSpPr>
+      <p:grpSpPr>
+        <a:xfrm>
+          <a:off x="0" y="0"/>
+          <a:ext cx="0" cy="0"/>
+          <a:chOff x="0" y="0"/>
+          <a:chExt cx="0" cy="0"/>
+        </a:xfrm>
+      </p:grpSpPr>
+      <p:pic>
+        <p:nvPicPr>
+          <p:cNvPr id="4" name="Picture 3"/>
+          <p:cNvPicPr>
+            <a:picLocks noChangeAspect="1"/>
+          </p:cNvPicPr>
+          <p:nvPr/>
+        </p:nvPicPr>
+        <p:blipFill>
+          <a:blip r:embed="rId2"/>
+          <a:stretch>
+            <a:fillRect/>
+          </a:stretch>
+        </p:blipFill>
+        <p:spPr>
+          <a:xfrm>
+            <a:off x="1282700" y="838200"/>
+            <a:ext cx="6578600" cy="5181600"/>
+          </a:xfrm>
+          <a:prstGeom prst="rect">
+            <a:avLst/>
+          </a:prstGeom>
+        </p:spPr>
+      </p:pic>
+    </p:spTree>
+    <p:extLst>
+      <p:ext uri="{BB962C8B-B14F-4D97-AF65-F5344CB8AC3E}">
+        <p14:creationId xmlns:p14="http://schemas.microsoft.com/office/powerpoint/2010/main" val="4122035242"/>
       </p:ext>
     </p:extLst>
   </p:cSld>

--- a/figure/V-Model.pptx
+++ b/figure/V-Model.pptx
@@ -289,7 +289,7 @@
           <a:p>
             <a:fld id="{8ECB28FC-BB2D-5E46-B808-36748FD73006}" type="datetimeFigureOut">
               <a:rPr lang="en-US" smtClean="0"/>
-              <a:t>20/10/16</a:t>
+              <a:t>22/10/16</a:t>
             </a:fld>
             <a:endParaRPr lang="en-US"/>
           </a:p>
@@ -459,7 +459,7 @@
           <a:p>
             <a:fld id="{8ECB28FC-BB2D-5E46-B808-36748FD73006}" type="datetimeFigureOut">
               <a:rPr lang="en-US" smtClean="0"/>
-              <a:t>20/10/16</a:t>
+              <a:t>22/10/16</a:t>
             </a:fld>
             <a:endParaRPr lang="en-US"/>
           </a:p>
@@ -639,7 +639,7 @@
           <a:p>
             <a:fld id="{8ECB28FC-BB2D-5E46-B808-36748FD73006}" type="datetimeFigureOut">
               <a:rPr lang="en-US" smtClean="0"/>
-              <a:t>20/10/16</a:t>
+              <a:t>22/10/16</a:t>
             </a:fld>
             <a:endParaRPr lang="en-US"/>
           </a:p>
@@ -809,7 +809,7 @@
           <a:p>
             <a:fld id="{8ECB28FC-BB2D-5E46-B808-36748FD73006}" type="datetimeFigureOut">
               <a:rPr lang="en-US" smtClean="0"/>
-              <a:t>20/10/16</a:t>
+              <a:t>22/10/16</a:t>
             </a:fld>
             <a:endParaRPr lang="en-US"/>
           </a:p>
@@ -1055,7 +1055,7 @@
           <a:p>
             <a:fld id="{8ECB28FC-BB2D-5E46-B808-36748FD73006}" type="datetimeFigureOut">
               <a:rPr lang="en-US" smtClean="0"/>
-              <a:t>20/10/16</a:t>
+              <a:t>22/10/16</a:t>
             </a:fld>
             <a:endParaRPr lang="en-US"/>
           </a:p>
@@ -1343,7 +1343,7 @@
           <a:p>
             <a:fld id="{8ECB28FC-BB2D-5E46-B808-36748FD73006}" type="datetimeFigureOut">
               <a:rPr lang="en-US" smtClean="0"/>
-              <a:t>20/10/16</a:t>
+              <a:t>22/10/16</a:t>
             </a:fld>
             <a:endParaRPr lang="en-US"/>
           </a:p>
@@ -1765,7 +1765,7 @@
           <a:p>
             <a:fld id="{8ECB28FC-BB2D-5E46-B808-36748FD73006}" type="datetimeFigureOut">
               <a:rPr lang="en-US" smtClean="0"/>
-              <a:t>20/10/16</a:t>
+              <a:t>22/10/16</a:t>
             </a:fld>
             <a:endParaRPr lang="en-US"/>
           </a:p>
@@ -1883,7 +1883,7 @@
           <a:p>
             <a:fld id="{8ECB28FC-BB2D-5E46-B808-36748FD73006}" type="datetimeFigureOut">
               <a:rPr lang="en-US" smtClean="0"/>
-              <a:t>20/10/16</a:t>
+              <a:t>22/10/16</a:t>
             </a:fld>
             <a:endParaRPr lang="en-US"/>
           </a:p>
@@ -1978,7 +1978,7 @@
           <a:p>
             <a:fld id="{8ECB28FC-BB2D-5E46-B808-36748FD73006}" type="datetimeFigureOut">
               <a:rPr lang="en-US" smtClean="0"/>
-              <a:t>20/10/16</a:t>
+              <a:t>22/10/16</a:t>
             </a:fld>
             <a:endParaRPr lang="en-US"/>
           </a:p>
@@ -2255,7 +2255,7 @@
           <a:p>
             <a:fld id="{8ECB28FC-BB2D-5E46-B808-36748FD73006}" type="datetimeFigureOut">
               <a:rPr lang="en-US" smtClean="0"/>
-              <a:t>20/10/16</a:t>
+              <a:t>22/10/16</a:t>
             </a:fld>
             <a:endParaRPr lang="en-US"/>
           </a:p>
@@ -2508,7 +2508,7 @@
           <a:p>
             <a:fld id="{8ECB28FC-BB2D-5E46-B808-36748FD73006}" type="datetimeFigureOut">
               <a:rPr lang="en-US" smtClean="0"/>
-              <a:t>20/10/16</a:t>
+              <a:t>22/10/16</a:t>
             </a:fld>
             <a:endParaRPr lang="en-US"/>
           </a:p>
@@ -2721,7 +2721,7 @@
           <a:p>
             <a:fld id="{8ECB28FC-BB2D-5E46-B808-36748FD73006}" type="datetimeFigureOut">
               <a:rPr lang="en-US" smtClean="0"/>
-              <a:t>20/10/16</a:t>
+              <a:t>22/10/16</a:t>
             </a:fld>
             <a:endParaRPr lang="en-US"/>
           </a:p>
@@ -3110,6 +3110,10 @@
           <a:prstGeom prst="line">
             <a:avLst/>
           </a:prstGeom>
+          <a:ln>
+            <a:headEnd type="none"/>
+            <a:tailEnd type="arrow"/>
+          </a:ln>
         </p:spPr>
         <p:style>
           <a:lnRef idx="2">
@@ -3140,6 +3144,10 @@
           <a:prstGeom prst="line">
             <a:avLst/>
           </a:prstGeom>
+          <a:ln>
+            <a:headEnd type="arrow"/>
+            <a:tailEnd type="none"/>
+          </a:ln>
         </p:spPr>
         <p:style>
           <a:lnRef idx="2">
@@ -3845,7 +3853,7 @@
       </p:grpSpPr>
       <p:pic>
         <p:nvPicPr>
-          <p:cNvPr id="4" name="Picture 3"/>
+          <p:cNvPr id="2" name="Picture 1"/>
           <p:cNvPicPr>
             <a:picLocks noChangeAspect="1"/>
           </p:cNvPicPr>

--- a/figure/V-Model.pptx
+++ b/figure/V-Model.pptx
@@ -289,7 +289,7 @@
           <a:p>
             <a:fld id="{8ECB28FC-BB2D-5E46-B808-36748FD73006}" type="datetimeFigureOut">
               <a:rPr lang="en-US" smtClean="0"/>
-              <a:t>22/10/16</a:t>
+              <a:t>25/10/16</a:t>
             </a:fld>
             <a:endParaRPr lang="en-US"/>
           </a:p>
@@ -459,7 +459,7 @@
           <a:p>
             <a:fld id="{8ECB28FC-BB2D-5E46-B808-36748FD73006}" type="datetimeFigureOut">
               <a:rPr lang="en-US" smtClean="0"/>
-              <a:t>22/10/16</a:t>
+              <a:t>25/10/16</a:t>
             </a:fld>
             <a:endParaRPr lang="en-US"/>
           </a:p>
@@ -639,7 +639,7 @@
           <a:p>
             <a:fld id="{8ECB28FC-BB2D-5E46-B808-36748FD73006}" type="datetimeFigureOut">
               <a:rPr lang="en-US" smtClean="0"/>
-              <a:t>22/10/16</a:t>
+              <a:t>25/10/16</a:t>
             </a:fld>
             <a:endParaRPr lang="en-US"/>
           </a:p>
@@ -809,7 +809,7 @@
           <a:p>
             <a:fld id="{8ECB28FC-BB2D-5E46-B808-36748FD73006}" type="datetimeFigureOut">
               <a:rPr lang="en-US" smtClean="0"/>
-              <a:t>22/10/16</a:t>
+              <a:t>25/10/16</a:t>
             </a:fld>
             <a:endParaRPr lang="en-US"/>
           </a:p>
@@ -1055,7 +1055,7 @@
           <a:p>
             <a:fld id="{8ECB28FC-BB2D-5E46-B808-36748FD73006}" type="datetimeFigureOut">
               <a:rPr lang="en-US" smtClean="0"/>
-              <a:t>22/10/16</a:t>
+              <a:t>25/10/16</a:t>
             </a:fld>
             <a:endParaRPr lang="en-US"/>
           </a:p>
@@ -1343,7 +1343,7 @@
           <a:p>
             <a:fld id="{8ECB28FC-BB2D-5E46-B808-36748FD73006}" type="datetimeFigureOut">
               <a:rPr lang="en-US" smtClean="0"/>
-              <a:t>22/10/16</a:t>
+              <a:t>25/10/16</a:t>
             </a:fld>
             <a:endParaRPr lang="en-US"/>
           </a:p>
@@ -1765,7 +1765,7 @@
           <a:p>
             <a:fld id="{8ECB28FC-BB2D-5E46-B808-36748FD73006}" type="datetimeFigureOut">
               <a:rPr lang="en-US" smtClean="0"/>
-              <a:t>22/10/16</a:t>
+              <a:t>25/10/16</a:t>
             </a:fld>
             <a:endParaRPr lang="en-US"/>
           </a:p>
@@ -1883,7 +1883,7 @@
           <a:p>
             <a:fld id="{8ECB28FC-BB2D-5E46-B808-36748FD73006}" type="datetimeFigureOut">
               <a:rPr lang="en-US" smtClean="0"/>
-              <a:t>22/10/16</a:t>
+              <a:t>25/10/16</a:t>
             </a:fld>
             <a:endParaRPr lang="en-US"/>
           </a:p>
@@ -1978,7 +1978,7 @@
           <a:p>
             <a:fld id="{8ECB28FC-BB2D-5E46-B808-36748FD73006}" type="datetimeFigureOut">
               <a:rPr lang="en-US" smtClean="0"/>
-              <a:t>22/10/16</a:t>
+              <a:t>25/10/16</a:t>
             </a:fld>
             <a:endParaRPr lang="en-US"/>
           </a:p>
@@ -2255,7 +2255,7 @@
           <a:p>
             <a:fld id="{8ECB28FC-BB2D-5E46-B808-36748FD73006}" type="datetimeFigureOut">
               <a:rPr lang="en-US" smtClean="0"/>
-              <a:t>22/10/16</a:t>
+              <a:t>25/10/16</a:t>
             </a:fld>
             <a:endParaRPr lang="en-US"/>
           </a:p>
@@ -2508,7 +2508,7 @@
           <a:p>
             <a:fld id="{8ECB28FC-BB2D-5E46-B808-36748FD73006}" type="datetimeFigureOut">
               <a:rPr lang="en-US" smtClean="0"/>
-              <a:t>22/10/16</a:t>
+              <a:t>25/10/16</a:t>
             </a:fld>
             <a:endParaRPr lang="en-US"/>
           </a:p>
@@ -2721,7 +2721,7 @@
           <a:p>
             <a:fld id="{8ECB28FC-BB2D-5E46-B808-36748FD73006}" type="datetimeFigureOut">
               <a:rPr lang="en-US" smtClean="0"/>
-              <a:t>22/10/16</a:t>
+              <a:t>25/10/16</a:t>
             </a:fld>
             <a:endParaRPr lang="en-US"/>
           </a:p>
@@ -3815,7 +3815,11 @@
             <a:pPr algn="ctr"/>
             <a:r>
               <a:rPr lang="en-US" sz="1400" dirty="0" smtClean="0"/>
-              <a:t>Collaboration based on closed-contracts</a:t>
+              <a:t>Collaboration based on </a:t>
+            </a:r>
+            <a:r>
+              <a:rPr lang="en-US" sz="1400" dirty="0" smtClean="0"/>
+              <a:t>contracts</a:t>
             </a:r>
             <a:endParaRPr lang="en-US" sz="1400" dirty="0"/>
           </a:p>
@@ -3853,7 +3857,7 @@
       </p:grpSpPr>
       <p:pic>
         <p:nvPicPr>
-          <p:cNvPr id="2" name="Picture 1"/>
+          <p:cNvPr id="3" name="Picture 2"/>
           <p:cNvPicPr>
             <a:picLocks noChangeAspect="1"/>
           </p:cNvPicPr>
